--- a/Template Presentación Recuadros.pptx
+++ b/Template Presentación Recuadros.pptx
@@ -28,11 +28,6 @@
       <p:bold r:id="rId17"/>
       <p:italic r:id="rId18"/>
       <p:boldItalic r:id="rId19"/>
-    </p:embeddedFont>
-    <p:embeddedFont>
-      <p:font typeface="Gotham Book" pitchFamily="50" charset="0"/>
-      <p:regular r:id="rId20"/>
-      <p:italic r:id="rId21"/>
     </p:embeddedFont>
   </p:embeddedFontLst>
   <p:defaultTextStyle>
@@ -246,7 +241,7 @@
           <a:p>
             <a:fld id="{21CD7599-F706-4A58-8022-70F2AE2A5EB8}" type="datetimeFigureOut">
               <a:rPr lang="en-US" smtClean="0"/>
-              <a:t>10/31/2025</a:t>
+              <a:t>11/2/2025</a:t>
             </a:fld>
             <a:endParaRPr lang="en-US"/>
           </a:p>
@@ -404,7 +399,7 @@
           <a:p>
             <a:fld id="{BCCFF2CD-7B1B-4979-9F29-F667F725F602}" type="slidenum">
               <a:rPr lang="en-US" smtClean="0"/>
-              <a:t>‹#›</a:t>
+              <a:t>‹Nº›</a:t>
             </a:fld>
             <a:endParaRPr lang="en-US"/>
           </a:p>
@@ -4654,7 +4649,97 @@
             <p:ph type="title"/>
           </p:nvPr>
         </p:nvSpPr>
-        <p:spPr/>
+        <p:spPr>
+          <a:xfrm>
+            <a:off x="838200" y="1274142"/>
+            <a:ext cx="11175124" cy="782998"/>
+          </a:xfrm>
+        </p:spPr>
+        <p:txBody>
+          <a:bodyPr/>
+          <a:lstStyle/>
+          <a:p>
+            <a:r>
+              <a:rPr lang="es-DO" dirty="0"/>
+              <a:t>Sensibilidad de las expectativas de tipo de cambio ante choques cambiarios</a:t>
+            </a:r>
+            <a:endParaRPr lang="en-US" dirty="0">
+              <a:latin typeface="+mn-lt"/>
+            </a:endParaRPr>
+          </a:p>
+        </p:txBody>
+      </p:sp>
+      <p:sp>
+        <p:nvSpPr>
+          <p:cNvPr id="3" name="Text Placeholder 2">
+            <a:extLst>
+              <a:ext uri="{FF2B5EF4-FFF2-40B4-BE49-F238E27FC236}">
+                <a16:creationId xmlns:a16="http://schemas.microsoft.com/office/drawing/2014/main" id="{4DDBAC34-5A09-4A4A-867C-DC8EB356237B}"/>
+              </a:ext>
+            </a:extLst>
+          </p:cNvPr>
+          <p:cNvSpPr>
+            <a:spLocks noGrp="1"/>
+          </p:cNvSpPr>
+          <p:nvPr>
+            <p:ph type="body" sz="quarter" idx="10"/>
+          </p:nvPr>
+        </p:nvSpPr>
+        <p:spPr>
+          <a:xfrm>
+            <a:off x="838199" y="2876226"/>
+            <a:ext cx="6109355" cy="888356"/>
+          </a:xfrm>
+        </p:spPr>
+        <p:txBody>
+          <a:bodyPr/>
+          <a:lstStyle/>
+          <a:p>
+            <a:r>
+              <a:rPr lang="en-US" dirty="0">
+                <a:latin typeface="+mn-lt"/>
+              </a:rPr>
+              <a:t>José Burgos</a:t>
+            </a:r>
+          </a:p>
+          <a:p>
+            <a:r>
+              <a:rPr lang="en-US" dirty="0"/>
+              <a:t>Cesar Díaz</a:t>
+            </a:r>
+            <a:endParaRPr lang="en-US" dirty="0">
+              <a:latin typeface="+mn-lt"/>
+            </a:endParaRPr>
+          </a:p>
+          <a:p>
+            <a:endParaRPr lang="en-US" dirty="0">
+              <a:latin typeface="+mn-lt"/>
+            </a:endParaRPr>
+          </a:p>
+        </p:txBody>
+      </p:sp>
+      <p:sp>
+        <p:nvSpPr>
+          <p:cNvPr id="4" name="Text Placeholder 3">
+            <a:extLst>
+              <a:ext uri="{FF2B5EF4-FFF2-40B4-BE49-F238E27FC236}">
+                <a16:creationId xmlns:a16="http://schemas.microsoft.com/office/drawing/2014/main" id="{2004C114-1C95-435D-9A96-B2EEB4A4654B}"/>
+              </a:ext>
+            </a:extLst>
+          </p:cNvPr>
+          <p:cNvSpPr>
+            <a:spLocks noGrp="1"/>
+          </p:cNvSpPr>
+          <p:nvPr>
+            <p:ph type="body" sz="quarter" idx="11"/>
+          </p:nvPr>
+        </p:nvSpPr>
+        <p:spPr>
+          <a:xfrm>
+            <a:off x="838200" y="3981774"/>
+            <a:ext cx="6109355" cy="445340"/>
+          </a:xfrm>
+        </p:spPr>
         <p:txBody>
           <a:bodyPr/>
           <a:lstStyle/>
@@ -4663,75 +4748,7 @@
               <a:rPr lang="es-US" dirty="0">
                 <a:latin typeface="+mn-lt"/>
               </a:rPr>
-              <a:t>Título</a:t>
-            </a:r>
-            <a:endParaRPr lang="en-US" dirty="0">
-              <a:latin typeface="+mn-lt"/>
-            </a:endParaRPr>
-          </a:p>
-        </p:txBody>
-      </p:sp>
-      <p:sp>
-        <p:nvSpPr>
-          <p:cNvPr id="3" name="Text Placeholder 2">
-            <a:extLst>
-              <a:ext uri="{FF2B5EF4-FFF2-40B4-BE49-F238E27FC236}">
-                <a16:creationId xmlns:a16="http://schemas.microsoft.com/office/drawing/2014/main" id="{4DDBAC34-5A09-4A4A-867C-DC8EB356237B}"/>
-              </a:ext>
-            </a:extLst>
-          </p:cNvPr>
-          <p:cNvSpPr>
-            <a:spLocks noGrp="1"/>
-          </p:cNvSpPr>
-          <p:nvPr>
-            <p:ph type="body" sz="quarter" idx="10"/>
-          </p:nvPr>
-        </p:nvSpPr>
-        <p:spPr/>
-        <p:txBody>
-          <a:bodyPr/>
-          <a:lstStyle/>
-          <a:p>
-            <a:r>
-              <a:rPr lang="en-US" dirty="0">
-                <a:latin typeface="+mn-lt"/>
-              </a:rPr>
-              <a:t>Autor(es)</a:t>
-            </a:r>
-          </a:p>
-          <a:p>
-            <a:endParaRPr lang="en-US" dirty="0">
-              <a:latin typeface="+mn-lt"/>
-            </a:endParaRPr>
-          </a:p>
-        </p:txBody>
-      </p:sp>
-      <p:sp>
-        <p:nvSpPr>
-          <p:cNvPr id="4" name="Text Placeholder 3">
-            <a:extLst>
-              <a:ext uri="{FF2B5EF4-FFF2-40B4-BE49-F238E27FC236}">
-                <a16:creationId xmlns:a16="http://schemas.microsoft.com/office/drawing/2014/main" id="{2004C114-1C95-435D-9A96-B2EEB4A4654B}"/>
-              </a:ext>
-            </a:extLst>
-          </p:cNvPr>
-          <p:cNvSpPr>
-            <a:spLocks noGrp="1"/>
-          </p:cNvSpPr>
-          <p:nvPr>
-            <p:ph type="body" sz="quarter" idx="11"/>
-          </p:nvPr>
-        </p:nvSpPr>
-        <p:spPr/>
-        <p:txBody>
-          <a:bodyPr/>
-          <a:lstStyle/>
-          <a:p>
-            <a:r>
-              <a:rPr lang="es-US" dirty="0">
-                <a:latin typeface="+mn-lt"/>
-              </a:rPr>
-              <a:t>Fecha</a:t>
+              <a:t>07-11-2025</a:t>
             </a:r>
             <a:endParaRPr lang="en-US" dirty="0">
               <a:latin typeface="+mn-lt"/>
@@ -4912,32 +4929,40 @@
           <a:bodyPr/>
           <a:lstStyle/>
           <a:p>
+            <a:r>
+              <a:rPr lang="en-US" sz="4000" dirty="0" err="1"/>
+              <a:t>Objetivos</a:t>
+            </a:r>
+            <a:endParaRPr lang="en-US" sz="4000" dirty="0"/>
+          </a:p>
+        </p:txBody>
+      </p:sp>
+      <p:sp>
+        <p:nvSpPr>
+          <p:cNvPr id="3" name="Content Placeholder 2">
+            <a:extLst>
+              <a:ext uri="{FF2B5EF4-FFF2-40B4-BE49-F238E27FC236}">
+                <a16:creationId xmlns:a16="http://schemas.microsoft.com/office/drawing/2014/main" id="{6280C2F2-6280-3726-B23C-3010D66181D6}"/>
+              </a:ext>
+            </a:extLst>
+          </p:cNvPr>
+          <p:cNvSpPr>
+            <a:spLocks noGrp="1"/>
+          </p:cNvSpPr>
+          <p:nvPr>
+            <p:ph sz="quarter" idx="12"/>
+          </p:nvPr>
+        </p:nvSpPr>
+        <p:spPr/>
+        <p:txBody>
+          <a:bodyPr/>
+          <a:lstStyle/>
+          <a:p>
+            <a:r>
+              <a:rPr lang="en-US" dirty="0" err="1"/>
+              <a:t>Identificar</a:t>
+            </a:r>
             <a:endParaRPr lang="en-US" dirty="0"/>
-          </a:p>
-        </p:txBody>
-      </p:sp>
-      <p:sp>
-        <p:nvSpPr>
-          <p:cNvPr id="3" name="Content Placeholder 2">
-            <a:extLst>
-              <a:ext uri="{FF2B5EF4-FFF2-40B4-BE49-F238E27FC236}">
-                <a16:creationId xmlns:a16="http://schemas.microsoft.com/office/drawing/2014/main" id="{6280C2F2-6280-3726-B23C-3010D66181D6}"/>
-              </a:ext>
-            </a:extLst>
-          </p:cNvPr>
-          <p:cNvSpPr>
-            <a:spLocks noGrp="1"/>
-          </p:cNvSpPr>
-          <p:nvPr>
-            <p:ph sz="quarter" idx="12"/>
-          </p:nvPr>
-        </p:nvSpPr>
-        <p:spPr/>
-        <p:txBody>
-          <a:bodyPr/>
-          <a:lstStyle/>
-          <a:p>
-            <a:endParaRPr lang="en-US"/>
           </a:p>
         </p:txBody>
       </p:sp>
@@ -6191,11 +6216,12 @@
 </file>
 
 <file path=customXml/item1.xml><?xml version="1.0" encoding="utf-8"?>
-<p:properties xmlns:p="http://schemas.microsoft.com/office/2006/metadata/properties" xmlns:xsi="http://www.w3.org/2001/XMLSchema-instance" xmlns:pc="http://schemas.microsoft.com/office/infopath/2007/PartnerControls">
-  <documentManagement>
-    <_activity xmlns="8618eff8-bb40-4c97-ae4b-5cad2e8cd259" xsi:nil="true"/>
-  </documentManagement>
-</p:properties>
+<?mso-contentType ?>
+<FormTemplates xmlns="http://schemas.microsoft.com/sharepoint/v3/contenttype/forms">
+  <Display>DocumentLibraryForm</Display>
+  <Edit>DocumentLibraryForm</Edit>
+  <New>DocumentLibraryForm</New>
+</FormTemplates>
 </file>
 
 <file path=customXml/item2.xml><?xml version="1.0" encoding="utf-8"?>
@@ -6440,27 +6466,17 @@
 </file>
 
 <file path=customXml/item3.xml><?xml version="1.0" encoding="utf-8"?>
-<?mso-contentType ?>
-<FormTemplates xmlns="http://schemas.microsoft.com/sharepoint/v3/contenttype/forms">
-  <Display>DocumentLibraryForm</Display>
-  <Edit>DocumentLibraryForm</Edit>
-  <New>DocumentLibraryForm</New>
-</FormTemplates>
+<p:properties xmlns:p="http://schemas.microsoft.com/office/2006/metadata/properties" xmlns:xsi="http://www.w3.org/2001/XMLSchema-instance" xmlns:pc="http://schemas.microsoft.com/office/infopath/2007/PartnerControls">
+  <documentManagement>
+    <_activity xmlns="8618eff8-bb40-4c97-ae4b-5cad2e8cd259" xsi:nil="true"/>
+  </documentManagement>
+</p:properties>
 </file>
 
 <file path=customXml/itemProps1.xml><?xml version="1.0" encoding="utf-8"?>
-<ds:datastoreItem xmlns:ds="http://schemas.openxmlformats.org/officeDocument/2006/customXml" ds:itemID="{E2C21B7D-CB5B-4C21-BCBB-68719253F0CA}">
+<ds:datastoreItem xmlns:ds="http://schemas.openxmlformats.org/officeDocument/2006/customXml" ds:itemID="{F2B06350-DDD7-48AC-8AEE-64753D4406EA}">
   <ds:schemaRefs>
-    <ds:schemaRef ds:uri="http://purl.org/dc/dcmitype/"/>
-    <ds:schemaRef ds:uri="http://www.w3.org/XML/1998/namespace"/>
-    <ds:schemaRef ds:uri="14914aa1-b042-4511-a656-dd8ce2395118"/>
-    <ds:schemaRef ds:uri="http://schemas.microsoft.com/office/2006/metadata/properties"/>
-    <ds:schemaRef ds:uri="http://schemas.microsoft.com/office/infopath/2007/PartnerControls"/>
-    <ds:schemaRef ds:uri="http://schemas.openxmlformats.org/package/2006/metadata/core-properties"/>
-    <ds:schemaRef ds:uri="8618eff8-bb40-4c97-ae4b-5cad2e8cd259"/>
-    <ds:schemaRef ds:uri="http://schemas.microsoft.com/office/2006/documentManagement/types"/>
-    <ds:schemaRef ds:uri="http://purl.org/dc/terms/"/>
-    <ds:schemaRef ds:uri="http://purl.org/dc/elements/1.1/"/>
+    <ds:schemaRef ds:uri="http://schemas.microsoft.com/sharepoint/v3/contenttype/forms"/>
   </ds:schemaRefs>
 </ds:datastoreItem>
 </file>
@@ -6485,9 +6501,18 @@
 </file>
 
 <file path=customXml/itemProps3.xml><?xml version="1.0" encoding="utf-8"?>
-<ds:datastoreItem xmlns:ds="http://schemas.openxmlformats.org/officeDocument/2006/customXml" ds:itemID="{F2B06350-DDD7-48AC-8AEE-64753D4406EA}">
+<ds:datastoreItem xmlns:ds="http://schemas.openxmlformats.org/officeDocument/2006/customXml" ds:itemID="{E2C21B7D-CB5B-4C21-BCBB-68719253F0CA}">
   <ds:schemaRefs>
-    <ds:schemaRef ds:uri="http://schemas.microsoft.com/sharepoint/v3/contenttype/forms"/>
+    <ds:schemaRef ds:uri="http://purl.org/dc/dcmitype/"/>
+    <ds:schemaRef ds:uri="http://www.w3.org/XML/1998/namespace"/>
+    <ds:schemaRef ds:uri="14914aa1-b042-4511-a656-dd8ce2395118"/>
+    <ds:schemaRef ds:uri="http://schemas.microsoft.com/office/2006/metadata/properties"/>
+    <ds:schemaRef ds:uri="http://schemas.microsoft.com/office/infopath/2007/PartnerControls"/>
+    <ds:schemaRef ds:uri="http://schemas.openxmlformats.org/package/2006/metadata/core-properties"/>
+    <ds:schemaRef ds:uri="8618eff8-bb40-4c97-ae4b-5cad2e8cd259"/>
+    <ds:schemaRef ds:uri="http://schemas.microsoft.com/office/2006/documentManagement/types"/>
+    <ds:schemaRef ds:uri="http://purl.org/dc/terms/"/>
+    <ds:schemaRef ds:uri="http://purl.org/dc/elements/1.1/"/>
   </ds:schemaRefs>
 </ds:datastoreItem>
 </file>
--- a/Template Presentación Recuadros.pptx
+++ b/Template Presentación Recuadros.pptx
@@ -241,7 +241,7 @@
           <a:p>
             <a:fld id="{21CD7599-F706-4A58-8022-70F2AE2A5EB8}" type="datetimeFigureOut">
               <a:rPr lang="en-US" smtClean="0"/>
-              <a:t>11/2/2025</a:t>
+              <a:t>11/3/2025</a:t>
             </a:fld>
             <a:endParaRPr lang="en-US"/>
           </a:p>
@@ -5017,35 +5017,48 @@
           <a:bodyPr/>
           <a:lstStyle/>
           <a:p>
-            <a:endParaRPr lang="en-US"/>
-          </a:p>
-        </p:txBody>
-      </p:sp>
-      <p:sp>
-        <p:nvSpPr>
-          <p:cNvPr id="3" name="Content Placeholder 2">
-            <a:extLst>
-              <a:ext uri="{FF2B5EF4-FFF2-40B4-BE49-F238E27FC236}">
-                <a16:creationId xmlns:a16="http://schemas.microsoft.com/office/drawing/2014/main" id="{178D2BCB-AC1A-D3E4-7D0A-AAF34171FA7F}"/>
-              </a:ext>
-            </a:extLst>
-          </p:cNvPr>
-          <p:cNvSpPr>
-            <a:spLocks noGrp="1"/>
-          </p:cNvSpPr>
-          <p:nvPr>
-            <p:ph sz="quarter" idx="12"/>
-          </p:nvPr>
-        </p:nvSpPr>
-        <p:spPr/>
-        <p:txBody>
-          <a:bodyPr/>
-          <a:lstStyle/>
-          <a:p>
-            <a:endParaRPr lang="en-US"/>
-          </a:p>
-        </p:txBody>
-      </p:sp>
+            <a:r>
+              <a:rPr lang="en-US" sz="3200" dirty="0" err="1"/>
+              <a:t>Prueba</a:t>
+            </a:r>
+            <a:r>
+              <a:rPr lang="en-US" sz="3200" dirty="0"/>
+              <a:t> de Estabilidad</a:t>
+            </a:r>
+          </a:p>
+        </p:txBody>
+      </p:sp>
+      <p:pic>
+        <p:nvPicPr>
+          <p:cNvPr id="5" name="Imagen 4">
+            <a:extLst>
+              <a:ext uri="{FF2B5EF4-FFF2-40B4-BE49-F238E27FC236}">
+                <a16:creationId xmlns:a16="http://schemas.microsoft.com/office/drawing/2014/main" id="{888A0DC1-D25A-1B6B-3609-F5BBD740CA30}"/>
+              </a:ext>
+            </a:extLst>
+          </p:cNvPr>
+          <p:cNvPicPr>
+            <a:picLocks noChangeAspect="1"/>
+          </p:cNvPicPr>
+          <p:nvPr/>
+        </p:nvPicPr>
+        <p:blipFill>
+          <a:blip r:embed="rId2"/>
+          <a:srcRect b="33418"/>
+          <a:stretch>
+            <a:fillRect/>
+          </a:stretch>
+        </p:blipFill>
+        <p:spPr>
+          <a:xfrm>
+            <a:off x="1876725" y="776314"/>
+            <a:ext cx="8749234" cy="4762038"/>
+          </a:xfrm>
+          <a:prstGeom prst="rect">
+            <a:avLst/>
+          </a:prstGeom>
+        </p:spPr>
+      </p:pic>
     </p:spTree>
     <p:extLst>
       <p:ext uri="{BB962C8B-B14F-4D97-AF65-F5344CB8AC3E}">
@@ -5078,18 +5091,18 @@
       </p:grpSpPr>
       <p:sp>
         <p:nvSpPr>
-          <p:cNvPr id="2" name="Title 1">
-            <a:extLst>
-              <a:ext uri="{FF2B5EF4-FFF2-40B4-BE49-F238E27FC236}">
-                <a16:creationId xmlns:a16="http://schemas.microsoft.com/office/drawing/2014/main" id="{A3EF2F21-CAEF-46ED-ACB9-AF0E0321FF8A}"/>
-              </a:ext>
-            </a:extLst>
-          </p:cNvPr>
-          <p:cNvSpPr>
-            <a:spLocks noGrp="1"/>
-          </p:cNvSpPr>
-          <p:nvPr>
-            <p:ph type="title"/>
+          <p:cNvPr id="4" name="Text Placeholder 3">
+            <a:extLst>
+              <a:ext uri="{FF2B5EF4-FFF2-40B4-BE49-F238E27FC236}">
+                <a16:creationId xmlns:a16="http://schemas.microsoft.com/office/drawing/2014/main" id="{5CEBD23D-8E42-416E-9B04-F914F51331A6}"/>
+              </a:ext>
+            </a:extLst>
+          </p:cNvPr>
+          <p:cNvSpPr>
+            <a:spLocks noGrp="1"/>
+          </p:cNvSpPr>
+          <p:nvPr>
+            <p:ph type="body" sz="quarter" idx="11"/>
           </p:nvPr>
         </p:nvSpPr>
         <p:spPr/>
@@ -5098,81 +5111,6 @@
           <a:lstStyle/>
           <a:p>
             <a:endParaRPr lang="en-US" dirty="0"/>
-          </a:p>
-        </p:txBody>
-      </p:sp>
-      <p:sp>
-        <p:nvSpPr>
-          <p:cNvPr id="3" name="Content Placeholder 2">
-            <a:extLst>
-              <a:ext uri="{FF2B5EF4-FFF2-40B4-BE49-F238E27FC236}">
-                <a16:creationId xmlns:a16="http://schemas.microsoft.com/office/drawing/2014/main" id="{373B18E0-68A6-4309-AEEE-6FB33777B6B9}"/>
-              </a:ext>
-            </a:extLst>
-          </p:cNvPr>
-          <p:cNvSpPr>
-            <a:spLocks noGrp="1"/>
-          </p:cNvSpPr>
-          <p:nvPr>
-            <p:ph sz="quarter" idx="10"/>
-          </p:nvPr>
-        </p:nvSpPr>
-        <p:spPr/>
-        <p:txBody>
-          <a:bodyPr/>
-          <a:lstStyle/>
-          <a:p>
-            <a:endParaRPr lang="en-US" dirty="0"/>
-          </a:p>
-        </p:txBody>
-      </p:sp>
-      <p:sp>
-        <p:nvSpPr>
-          <p:cNvPr id="4" name="Text Placeholder 3">
-            <a:extLst>
-              <a:ext uri="{FF2B5EF4-FFF2-40B4-BE49-F238E27FC236}">
-                <a16:creationId xmlns:a16="http://schemas.microsoft.com/office/drawing/2014/main" id="{5CEBD23D-8E42-416E-9B04-F914F51331A6}"/>
-              </a:ext>
-            </a:extLst>
-          </p:cNvPr>
-          <p:cNvSpPr>
-            <a:spLocks noGrp="1"/>
-          </p:cNvSpPr>
-          <p:nvPr>
-            <p:ph type="body" sz="quarter" idx="11"/>
-          </p:nvPr>
-        </p:nvSpPr>
-        <p:spPr/>
-        <p:txBody>
-          <a:bodyPr/>
-          <a:lstStyle/>
-          <a:p>
-            <a:endParaRPr lang="en-US" dirty="0"/>
-          </a:p>
-        </p:txBody>
-      </p:sp>
-      <p:sp>
-        <p:nvSpPr>
-          <p:cNvPr id="5" name="Content Placeholder 4">
-            <a:extLst>
-              <a:ext uri="{FF2B5EF4-FFF2-40B4-BE49-F238E27FC236}">
-                <a16:creationId xmlns:a16="http://schemas.microsoft.com/office/drawing/2014/main" id="{09051157-519D-466B-BDC7-FE58553CA70C}"/>
-              </a:ext>
-            </a:extLst>
-          </p:cNvPr>
-          <p:cNvSpPr>
-            <a:spLocks noGrp="1"/>
-          </p:cNvSpPr>
-          <p:nvPr>
-            <p:ph sz="quarter" idx="12"/>
-          </p:nvPr>
-        </p:nvSpPr>
-        <p:spPr/>
-        <p:txBody>
-          <a:bodyPr/>
-          <a:lstStyle/>
-          <a:p>
-            <a:endParaRPr lang="en-US"/>
           </a:p>
         </p:txBody>
       </p:sp>
@@ -5235,6 +5173,74 @@
           <a:lstStyle/>
           <a:p>
             <a:endParaRPr lang="en-US"/>
+          </a:p>
+        </p:txBody>
+      </p:sp>
+      <p:pic>
+        <p:nvPicPr>
+          <p:cNvPr id="10" name="Imagen 9">
+            <a:extLst>
+              <a:ext uri="{FF2B5EF4-FFF2-40B4-BE49-F238E27FC236}">
+                <a16:creationId xmlns:a16="http://schemas.microsoft.com/office/drawing/2014/main" id="{4B098434-9676-EE4A-1581-71BFBAD144F9}"/>
+              </a:ext>
+            </a:extLst>
+          </p:cNvPr>
+          <p:cNvPicPr>
+            <a:picLocks noChangeAspect="1"/>
+          </p:cNvPicPr>
+          <p:nvPr/>
+        </p:nvPicPr>
+        <p:blipFill>
+          <a:blip r:embed="rId2"/>
+          <a:srcRect t="67617"/>
+          <a:stretch>
+            <a:fillRect/>
+          </a:stretch>
+        </p:blipFill>
+        <p:spPr>
+          <a:xfrm>
+            <a:off x="585143" y="2058463"/>
+            <a:ext cx="11536594" cy="3053877"/>
+          </a:xfrm>
+          <a:prstGeom prst="rect">
+            <a:avLst/>
+          </a:prstGeom>
+        </p:spPr>
+      </p:pic>
+      <p:sp>
+        <p:nvSpPr>
+          <p:cNvPr id="11" name="Title 1">
+            <a:extLst>
+              <a:ext uri="{FF2B5EF4-FFF2-40B4-BE49-F238E27FC236}">
+                <a16:creationId xmlns:a16="http://schemas.microsoft.com/office/drawing/2014/main" id="{F40878BD-2F0B-0695-347E-663808CAC36B}"/>
+              </a:ext>
+            </a:extLst>
+          </p:cNvPr>
+          <p:cNvSpPr>
+            <a:spLocks noGrp="1"/>
+          </p:cNvSpPr>
+          <p:nvPr>
+            <p:ph type="title"/>
+          </p:nvPr>
+        </p:nvSpPr>
+        <p:spPr>
+          <a:xfrm>
+            <a:off x="300038" y="215900"/>
+            <a:ext cx="11666537" cy="790575"/>
+          </a:xfrm>
+        </p:spPr>
+        <p:txBody>
+          <a:bodyPr/>
+          <a:lstStyle/>
+          <a:p>
+            <a:r>
+              <a:rPr lang="en-US" sz="3200" dirty="0" err="1"/>
+              <a:t>Prueba</a:t>
+            </a:r>
+            <a:r>
+              <a:rPr lang="en-US" sz="3200" dirty="0"/>
+              <a:t> de Estabilidad</a:t>
+            </a:r>
           </a:p>
         </p:txBody>
       </p:sp>
@@ -5295,31 +5301,6 @@
       </p:sp>
       <p:sp>
         <p:nvSpPr>
-          <p:cNvPr id="3" name="Content Placeholder 2">
-            <a:extLst>
-              <a:ext uri="{FF2B5EF4-FFF2-40B4-BE49-F238E27FC236}">
-                <a16:creationId xmlns:a16="http://schemas.microsoft.com/office/drawing/2014/main" id="{A70F4A31-5399-058D-C5A3-BE8965799AEE}"/>
-              </a:ext>
-            </a:extLst>
-          </p:cNvPr>
-          <p:cNvSpPr>
-            <a:spLocks noGrp="1"/>
-          </p:cNvSpPr>
-          <p:nvPr>
-            <p:ph sz="quarter" idx="10"/>
-          </p:nvPr>
-        </p:nvSpPr>
-        <p:spPr/>
-        <p:txBody>
-          <a:bodyPr/>
-          <a:lstStyle/>
-          <a:p>
-            <a:endParaRPr lang="en-US" dirty="0"/>
-          </a:p>
-        </p:txBody>
-      </p:sp>
-      <p:sp>
-        <p:nvSpPr>
           <p:cNvPr id="4" name="Text Placeholder 3">
             <a:extLst>
               <a:ext uri="{FF2B5EF4-FFF2-40B4-BE49-F238E27FC236}">
@@ -5430,6 +5411,36 @@
           </a:p>
         </p:txBody>
       </p:sp>
+      <p:pic>
+        <p:nvPicPr>
+          <p:cNvPr id="9" name="Imagen 8">
+            <a:extLst>
+              <a:ext uri="{FF2B5EF4-FFF2-40B4-BE49-F238E27FC236}">
+                <a16:creationId xmlns:a16="http://schemas.microsoft.com/office/drawing/2014/main" id="{CD03A56C-E96A-8F36-0766-16E510EF7D0A}"/>
+              </a:ext>
+            </a:extLst>
+          </p:cNvPr>
+          <p:cNvPicPr>
+            <a:picLocks noChangeAspect="1"/>
+          </p:cNvPicPr>
+          <p:nvPr/>
+        </p:nvPicPr>
+        <p:blipFill>
+          <a:blip r:embed="rId2"/>
+          <a:stretch>
+            <a:fillRect/>
+          </a:stretch>
+        </p:blipFill>
+        <p:spPr>
+          <a:xfrm>
+            <a:off x="300173" y="1913440"/>
+            <a:ext cx="5659952" cy="3820610"/>
+          </a:xfrm>
+          <a:prstGeom prst="rect">
+            <a:avLst/>
+          </a:prstGeom>
+        </p:spPr>
+      </p:pic>
     </p:spTree>
     <p:extLst>
       <p:ext uri="{BB962C8B-B14F-4D97-AF65-F5344CB8AC3E}">
@@ -6216,12 +6227,11 @@
 </file>
 
 <file path=customXml/item1.xml><?xml version="1.0" encoding="utf-8"?>
-<?mso-contentType ?>
-<FormTemplates xmlns="http://schemas.microsoft.com/sharepoint/v3/contenttype/forms">
-  <Display>DocumentLibraryForm</Display>
-  <Edit>DocumentLibraryForm</Edit>
-  <New>DocumentLibraryForm</New>
-</FormTemplates>
+<p:properties xmlns:p="http://schemas.microsoft.com/office/2006/metadata/properties" xmlns:xsi="http://www.w3.org/2001/XMLSchema-instance" xmlns:pc="http://schemas.microsoft.com/office/infopath/2007/PartnerControls">
+  <documentManagement>
+    <_activity xmlns="8618eff8-bb40-4c97-ae4b-5cad2e8cd259" xsi:nil="true"/>
+  </documentManagement>
+</p:properties>
 </file>
 
 <file path=customXml/item2.xml><?xml version="1.0" encoding="utf-8"?>
@@ -6466,17 +6476,27 @@
 </file>
 
 <file path=customXml/item3.xml><?xml version="1.0" encoding="utf-8"?>
-<p:properties xmlns:p="http://schemas.microsoft.com/office/2006/metadata/properties" xmlns:xsi="http://www.w3.org/2001/XMLSchema-instance" xmlns:pc="http://schemas.microsoft.com/office/infopath/2007/PartnerControls">
-  <documentManagement>
-    <_activity xmlns="8618eff8-bb40-4c97-ae4b-5cad2e8cd259" xsi:nil="true"/>
-  </documentManagement>
-</p:properties>
+<?mso-contentType ?>
+<FormTemplates xmlns="http://schemas.microsoft.com/sharepoint/v3/contenttype/forms">
+  <Display>DocumentLibraryForm</Display>
+  <Edit>DocumentLibraryForm</Edit>
+  <New>DocumentLibraryForm</New>
+</FormTemplates>
 </file>
 
 <file path=customXml/itemProps1.xml><?xml version="1.0" encoding="utf-8"?>
-<ds:datastoreItem xmlns:ds="http://schemas.openxmlformats.org/officeDocument/2006/customXml" ds:itemID="{F2B06350-DDD7-48AC-8AEE-64753D4406EA}">
+<ds:datastoreItem xmlns:ds="http://schemas.openxmlformats.org/officeDocument/2006/customXml" ds:itemID="{E2C21B7D-CB5B-4C21-BCBB-68719253F0CA}">
   <ds:schemaRefs>
-    <ds:schemaRef ds:uri="http://schemas.microsoft.com/sharepoint/v3/contenttype/forms"/>
+    <ds:schemaRef ds:uri="http://purl.org/dc/dcmitype/"/>
+    <ds:schemaRef ds:uri="http://www.w3.org/XML/1998/namespace"/>
+    <ds:schemaRef ds:uri="14914aa1-b042-4511-a656-dd8ce2395118"/>
+    <ds:schemaRef ds:uri="http://schemas.microsoft.com/office/2006/metadata/properties"/>
+    <ds:schemaRef ds:uri="http://schemas.microsoft.com/office/infopath/2007/PartnerControls"/>
+    <ds:schemaRef ds:uri="http://schemas.openxmlformats.org/package/2006/metadata/core-properties"/>
+    <ds:schemaRef ds:uri="8618eff8-bb40-4c97-ae4b-5cad2e8cd259"/>
+    <ds:schemaRef ds:uri="http://schemas.microsoft.com/office/2006/documentManagement/types"/>
+    <ds:schemaRef ds:uri="http://purl.org/dc/terms/"/>
+    <ds:schemaRef ds:uri="http://purl.org/dc/elements/1.1/"/>
   </ds:schemaRefs>
 </ds:datastoreItem>
 </file>
@@ -6501,18 +6521,9 @@
 </file>
 
 <file path=customXml/itemProps3.xml><?xml version="1.0" encoding="utf-8"?>
-<ds:datastoreItem xmlns:ds="http://schemas.openxmlformats.org/officeDocument/2006/customXml" ds:itemID="{E2C21B7D-CB5B-4C21-BCBB-68719253F0CA}">
+<ds:datastoreItem xmlns:ds="http://schemas.openxmlformats.org/officeDocument/2006/customXml" ds:itemID="{F2B06350-DDD7-48AC-8AEE-64753D4406EA}">
   <ds:schemaRefs>
-    <ds:schemaRef ds:uri="http://purl.org/dc/dcmitype/"/>
-    <ds:schemaRef ds:uri="http://www.w3.org/XML/1998/namespace"/>
-    <ds:schemaRef ds:uri="14914aa1-b042-4511-a656-dd8ce2395118"/>
-    <ds:schemaRef ds:uri="http://schemas.microsoft.com/office/2006/metadata/properties"/>
-    <ds:schemaRef ds:uri="http://schemas.microsoft.com/office/infopath/2007/PartnerControls"/>
-    <ds:schemaRef ds:uri="http://schemas.openxmlformats.org/package/2006/metadata/core-properties"/>
-    <ds:schemaRef ds:uri="8618eff8-bb40-4c97-ae4b-5cad2e8cd259"/>
-    <ds:schemaRef ds:uri="http://schemas.microsoft.com/office/2006/documentManagement/types"/>
-    <ds:schemaRef ds:uri="http://purl.org/dc/terms/"/>
-    <ds:schemaRef ds:uri="http://purl.org/dc/elements/1.1/"/>
+    <ds:schemaRef ds:uri="http://schemas.microsoft.com/sharepoint/v3/contenttype/forms"/>
   </ds:schemaRefs>
 </ds:datastoreItem>
 </file>